--- a/GeneSetEnrichAnalysis_1102/JournalClub_GSEA1101.pptx
+++ b/GeneSetEnrichAnalysis_1102/JournalClub_GSEA1101.pptx
@@ -4222,51 +4222,92 @@
       </p:sp>
       <p:sp>
         <p:nvSpPr>
-          <p:cNvPr id="3" name="内容占位符 2">
-            <a:extLst>
-              <a:ext uri="{FF2B5EF4-FFF2-40B4-BE49-F238E27FC236}">
-                <a16:creationId xmlns:a16="http://schemas.microsoft.com/office/drawing/2014/main" id="{EE8D31EF-DFC0-4AB8-B97B-E8EF1A36EDD0}"/>
-              </a:ext>
-            </a:extLst>
-          </p:cNvPr>
-          <p:cNvSpPr>
-            <a:spLocks noGrp="1"/>
-          </p:cNvSpPr>
-          <p:nvPr>
-            <p:ph sz="half" idx="1"/>
+          <p:cNvPr id="6" name="内容占位符 5">
+            <a:extLst>
+              <a:ext uri="{FF2B5EF4-FFF2-40B4-BE49-F238E27FC236}">
+                <a16:creationId xmlns:a16="http://schemas.microsoft.com/office/drawing/2014/main" id="{3C164D0D-F8AE-4ED5-A8F2-5B192EC8BA83}"/>
+              </a:ext>
+            </a:extLst>
+          </p:cNvPr>
+          <p:cNvSpPr>
+            <a:spLocks noGrp="1"/>
+          </p:cNvSpPr>
+          <p:nvPr>
+            <p:ph idx="1"/>
           </p:nvPr>
         </p:nvSpPr>
         <p:spPr/>
         <p:txBody>
-          <a:bodyPr/>
-          <a:lstStyle/>
-          <a:p>
-            <a:endParaRPr lang="zh-CN" altLang="en-US"/>
-          </a:p>
-        </p:txBody>
-      </p:sp>
-      <p:sp>
-        <p:nvSpPr>
-          <p:cNvPr id="4" name="内容占位符 3">
-            <a:extLst>
-              <a:ext uri="{FF2B5EF4-FFF2-40B4-BE49-F238E27FC236}">
-                <a16:creationId xmlns:a16="http://schemas.microsoft.com/office/drawing/2014/main" id="{398BA114-603F-41E5-8E91-CC8B520E9D54}"/>
-              </a:ext>
-            </a:extLst>
-          </p:cNvPr>
-          <p:cNvSpPr>
-            <a:spLocks noGrp="1"/>
-          </p:cNvSpPr>
-          <p:nvPr>
-            <p:ph sz="half" idx="2"/>
-          </p:nvPr>
-        </p:nvSpPr>
-        <p:spPr/>
-        <p:txBody>
-          <a:bodyPr/>
-          <a:lstStyle/>
-          <a:p>
-            <a:endParaRPr lang="zh-CN" altLang="en-US"/>
+          <a:bodyPr anchor="ctr">
+            <a:normAutofit/>
+          </a:bodyPr>
+          <a:lstStyle/>
+          <a:p>
+            <a:pPr marL="0" indent="0">
+              <a:lnSpc>
+                <a:spcPct val="100000"/>
+              </a:lnSpc>
+              <a:buNone/>
+            </a:pPr>
+            <a:r>
+              <a:rPr lang="en-US" altLang="zh-CN" sz="3600" dirty="0"/>
+              <a:t>Gene sets can be fuzzy or crisp. </a:t>
+            </a:r>
+          </a:p>
+          <a:p>
+            <a:pPr>
+              <a:lnSpc>
+                <a:spcPct val="100000"/>
+              </a:lnSpc>
+            </a:pPr>
+            <a:r>
+              <a:rPr lang="en-US" altLang="zh-CN" sz="3600" dirty="0"/>
+              <a:t>In a </a:t>
+            </a:r>
+            <a:r>
+              <a:rPr lang="en-US" altLang="zh-CN" sz="3600" b="1" dirty="0">
+                <a:solidFill>
+                  <a:schemeClr val="accent1"/>
+                </a:solidFill>
+              </a:rPr>
+              <a:t>crisp</a:t>
+            </a:r>
+            <a:r>
+              <a:rPr lang="en-US" altLang="zh-CN" sz="3600" dirty="0"/>
+              <a:t> set, an element is either a member of the set or not. </a:t>
+            </a:r>
+          </a:p>
+          <a:p>
+            <a:pPr>
+              <a:lnSpc>
+                <a:spcPct val="100000"/>
+              </a:lnSpc>
+            </a:pPr>
+            <a:r>
+              <a:rPr lang="en-US" altLang="zh-CN" sz="3600" dirty="0"/>
+              <a:t>In a </a:t>
+            </a:r>
+            <a:r>
+              <a:rPr lang="en-US" altLang="zh-CN" sz="3600" b="1" dirty="0">
+                <a:solidFill>
+                  <a:schemeClr val="accent1"/>
+                </a:solidFill>
+              </a:rPr>
+              <a:t>fuzzy or quantitative</a:t>
+            </a:r>
+            <a:r>
+              <a:rPr lang="en-US" altLang="zh-CN" sz="3600" dirty="0"/>
+              <a:t> set, an element has an associated value indicating a degree of membership. </a:t>
+            </a:r>
+            <a:r>
+              <a:rPr lang="en-US" altLang="zh-CN" sz="3600" dirty="0" err="1"/>
+              <a:t>Enrichr</a:t>
+            </a:r>
+            <a:r>
+              <a:rPr lang="en-US" altLang="zh-CN" sz="3600" dirty="0"/>
+              <a:t> accepts both crisp and fuzzy gene sets as input.</a:t>
+            </a:r>
+            <a:endParaRPr lang="zh-CN" altLang="en-US" sz="3600" dirty="0"/>
           </a:p>
         </p:txBody>
       </p:sp>
@@ -4386,38 +4427,261 @@
         </p:nvSpPr>
         <p:spPr/>
         <p:txBody>
-          <a:bodyPr/>
-          <a:lstStyle/>
-          <a:p>
-            <a:endParaRPr lang="zh-CN" altLang="en-US"/>
-          </a:p>
-        </p:txBody>
-      </p:sp>
-      <p:sp>
-        <p:nvSpPr>
-          <p:cNvPr id="4" name="内容占位符 3">
-            <a:extLst>
-              <a:ext uri="{FF2B5EF4-FFF2-40B4-BE49-F238E27FC236}">
-                <a16:creationId xmlns:a16="http://schemas.microsoft.com/office/drawing/2014/main" id="{957E343F-0C00-4019-A6B8-2E6351C27E36}"/>
-              </a:ext>
-            </a:extLst>
-          </p:cNvPr>
-          <p:cNvSpPr>
-            <a:spLocks noGrp="1"/>
-          </p:cNvSpPr>
-          <p:nvPr>
-            <p:ph sz="half" idx="2"/>
-          </p:nvPr>
-        </p:nvSpPr>
-        <p:spPr/>
-        <p:txBody>
-          <a:bodyPr/>
-          <a:lstStyle/>
-          <a:p>
-            <a:endParaRPr lang="zh-CN" altLang="en-US"/>
-          </a:p>
-        </p:txBody>
-      </p:sp>
+          <a:bodyPr anchor="ctr">
+            <a:noAutofit/>
+          </a:bodyPr>
+          <a:lstStyle/>
+          <a:p>
+            <a:pPr>
+              <a:lnSpc>
+                <a:spcPct val="110000"/>
+              </a:lnSpc>
+            </a:pPr>
+            <a:r>
+              <a:rPr lang="en-US" altLang="zh-CN" sz="2400" dirty="0"/>
+              <a:t>The </a:t>
+            </a:r>
+            <a:r>
+              <a:rPr lang="en-US" altLang="zh-CN" sz="2400" b="1" dirty="0">
+                <a:solidFill>
+                  <a:schemeClr val="accent1"/>
+                </a:solidFill>
+              </a:rPr>
+              <a:t>p-value</a:t>
+            </a:r>
+            <a:r>
+              <a:rPr lang="en-US" altLang="zh-CN" sz="2400" dirty="0"/>
+              <a:t>: Fisher's exact test or the hypergeometric test. This is a binomial proportion test that assumes a binomial distribution and independence for probability of any gene belonging to any set.</a:t>
+            </a:r>
+          </a:p>
+          <a:p>
+            <a:pPr>
+              <a:lnSpc>
+                <a:spcPct val="110000"/>
+              </a:lnSpc>
+            </a:pPr>
+            <a:r>
+              <a:rPr lang="en-US" altLang="zh-CN" sz="2400" dirty="0"/>
+              <a:t>The </a:t>
+            </a:r>
+            <a:r>
+              <a:rPr lang="en-US" altLang="zh-CN" sz="2400" b="1" dirty="0">
+                <a:solidFill>
+                  <a:schemeClr val="accent1"/>
+                </a:solidFill>
+              </a:rPr>
+              <a:t>q-value</a:t>
+            </a:r>
+            <a:r>
+              <a:rPr lang="en-US" altLang="zh-CN" sz="2400" dirty="0"/>
+              <a:t>: an adjusted p-value using the </a:t>
+            </a:r>
+            <a:r>
+              <a:rPr lang="en-US" altLang="zh-CN" sz="2400" dirty="0" err="1"/>
+              <a:t>Benjamini</a:t>
+            </a:r>
+            <a:r>
+              <a:rPr lang="en-US" altLang="zh-CN" sz="2400" dirty="0"/>
+              <a:t>-Hochberg method for correction for multiple hypotheses testing.</a:t>
+            </a:r>
+            <a:endParaRPr lang="zh-CN" altLang="en-US" sz="2400" dirty="0"/>
+          </a:p>
+        </p:txBody>
+      </p:sp>
+      <mc:AlternateContent xmlns:mc="http://schemas.openxmlformats.org/markup-compatibility/2006">
+        <mc:Choice xmlns:a14="http://schemas.microsoft.com/office/drawing/2010/main" Requires="a14">
+          <p:sp>
+            <p:nvSpPr>
+              <p:cNvPr id="4" name="内容占位符 3">
+                <a:extLst>
+                  <a:ext uri="{FF2B5EF4-FFF2-40B4-BE49-F238E27FC236}">
+                    <a16:creationId xmlns:a16="http://schemas.microsoft.com/office/drawing/2014/main" id="{957E343F-0C00-4019-A6B8-2E6351C27E36}"/>
+                  </a:ext>
+                </a:extLst>
+              </p:cNvPr>
+              <p:cNvSpPr>
+                <a:spLocks noGrp="1"/>
+              </p:cNvSpPr>
+              <p:nvPr>
+                <p:ph sz="half" idx="2"/>
+              </p:nvPr>
+            </p:nvSpPr>
+            <p:spPr/>
+            <p:txBody>
+              <a:bodyPr anchor="ctr">
+                <a:normAutofit/>
+              </a:bodyPr>
+              <a:lstStyle/>
+              <a:p>
+                <a:pPr>
+                  <a:lnSpc>
+                    <a:spcPct val="100000"/>
+                  </a:lnSpc>
+                </a:pPr>
+                <a:r>
+                  <a:rPr lang="en-US" altLang="zh-CN" sz="2400" dirty="0"/>
+                  <a:t>The </a:t>
+                </a:r>
+                <a:r>
+                  <a:rPr lang="en-US" altLang="zh-CN" sz="2400" b="1" dirty="0">
+                    <a:solidFill>
+                      <a:schemeClr val="accent1"/>
+                    </a:solidFill>
+                  </a:rPr>
+                  <a:t>rank score or z-score</a:t>
+                </a:r>
+                <a:r>
+                  <a:rPr lang="en-US" altLang="zh-CN" sz="2400" dirty="0"/>
+                  <a:t> is computed using a modification to Fisher's exact test in which we compute a z-score for deviation from an expected rank. </a:t>
+                </a:r>
+              </a:p>
+              <a:p>
+                <a:pPr>
+                  <a:lnSpc>
+                    <a:spcPct val="100000"/>
+                  </a:lnSpc>
+                </a:pPr>
+                <a:r>
+                  <a:rPr lang="en-US" altLang="zh-CN" sz="2400" dirty="0"/>
+                  <a:t>The </a:t>
+                </a:r>
+                <a:r>
+                  <a:rPr lang="en-US" altLang="zh-CN" sz="2400" b="1" dirty="0">
+                    <a:solidFill>
+                      <a:schemeClr val="accent1"/>
+                    </a:solidFill>
+                  </a:rPr>
+                  <a:t>combined score</a:t>
+                </a:r>
+                <a:r>
+                  <a:rPr lang="en-US" altLang="zh-CN" sz="2400" dirty="0"/>
+                  <a:t> is a combination of the p-value and z-score calculated by multiplying the two scores as follows:</a:t>
+                </a:r>
+              </a:p>
+              <a:p>
+                <a:pPr marL="0" indent="0" algn="ctr">
+                  <a:lnSpc>
+                    <a:spcPct val="100000"/>
+                  </a:lnSpc>
+                  <a:buNone/>
+                </a:pPr>
+                <a14:m>
+                  <m:oMathPara xmlns:m="http://schemas.openxmlformats.org/officeDocument/2006/math">
+                    <m:oMathParaPr>
+                      <m:jc m:val="centerGroup"/>
+                    </m:oMathParaPr>
+                    <m:oMath xmlns:m="http://schemas.openxmlformats.org/officeDocument/2006/math">
+                      <m:r>
+                        <a:rPr lang="en-US" altLang="zh-CN" sz="2400" b="0" i="1" smtClean="0">
+                          <a:latin typeface="Cambria Math" panose="02040503050406030204" pitchFamily="18" charset="0"/>
+                        </a:rPr>
+                        <m:t>𝑐</m:t>
+                      </m:r>
+                      <m:r>
+                        <a:rPr lang="en-US" altLang="zh-CN" sz="2400" b="0" i="1" smtClean="0">
+                          <a:latin typeface="Cambria Math" panose="02040503050406030204" pitchFamily="18" charset="0"/>
+                        </a:rPr>
+                        <m:t>=</m:t>
+                      </m:r>
+                      <m:func>
+                        <m:funcPr>
+                          <m:ctrlPr>
+                            <a:rPr lang="en-US" altLang="zh-CN" sz="2400" b="0" i="1" smtClean="0">
+                              <a:latin typeface="Cambria Math" panose="02040503050406030204" pitchFamily="18" charset="0"/>
+                            </a:rPr>
+                          </m:ctrlPr>
+                        </m:funcPr>
+                        <m:fName>
+                          <m:r>
+                            <m:rPr>
+                              <m:sty m:val="p"/>
+                            </m:rPr>
+                            <a:rPr lang="en-US" altLang="zh-CN" sz="2400" b="0" i="0" smtClean="0">
+                              <a:latin typeface="Cambria Math" panose="02040503050406030204" pitchFamily="18" charset="0"/>
+                            </a:rPr>
+                            <m:t>ln</m:t>
+                          </m:r>
+                        </m:fName>
+                        <m:e>
+                          <m:d>
+                            <m:dPr>
+                              <m:ctrlPr>
+                                <a:rPr lang="en-US" altLang="zh-CN" sz="2400" b="0" i="1" smtClean="0">
+                                  <a:latin typeface="Cambria Math" panose="02040503050406030204" pitchFamily="18" charset="0"/>
+                                </a:rPr>
+                              </m:ctrlPr>
+                            </m:dPr>
+                            <m:e>
+                              <m:r>
+                                <a:rPr lang="en-US" altLang="zh-CN" sz="2400" b="0" i="1" smtClean="0">
+                                  <a:latin typeface="Cambria Math" panose="02040503050406030204" pitchFamily="18" charset="0"/>
+                                </a:rPr>
+                                <m:t>𝑝</m:t>
+                              </m:r>
+                            </m:e>
+                          </m:d>
+                        </m:e>
+                      </m:func>
+                      <m:r>
+                        <a:rPr lang="en-US" altLang="zh-CN" sz="2400" b="0" i="1" smtClean="0">
+                          <a:latin typeface="Cambria Math" panose="02040503050406030204" pitchFamily="18" charset="0"/>
+                        </a:rPr>
+                        <m:t>∗</m:t>
+                      </m:r>
+                      <m:r>
+                        <a:rPr lang="en-US" altLang="zh-CN" sz="2400" b="0" i="1" smtClean="0">
+                          <a:latin typeface="Cambria Math" panose="02040503050406030204" pitchFamily="18" charset="0"/>
+                        </a:rPr>
+                        <m:t>𝑧</m:t>
+                      </m:r>
+                    </m:oMath>
+                  </m:oMathPara>
+                </a14:m>
+                <a:endParaRPr lang="zh-CN" altLang="en-US" sz="2400" dirty="0"/>
+              </a:p>
+            </p:txBody>
+          </p:sp>
+        </mc:Choice>
+        <mc:Fallback>
+          <p:sp>
+            <p:nvSpPr>
+              <p:cNvPr id="4" name="内容占位符 3">
+                <a:extLst>
+                  <a:ext uri="{FF2B5EF4-FFF2-40B4-BE49-F238E27FC236}">
+                    <a16:creationId xmlns:a16="http://schemas.microsoft.com/office/drawing/2014/main" id="{957E343F-0C00-4019-A6B8-2E6351C27E36}"/>
+                  </a:ext>
+                </a:extLst>
+              </p:cNvPr>
+              <p:cNvSpPr>
+                <a:spLocks noGrp="1" noRot="1" noChangeAspect="1" noMove="1" noResize="1" noEditPoints="1" noAdjustHandles="1" noChangeArrowheads="1" noChangeShapeType="1" noTextEdit="1"/>
+              </p:cNvSpPr>
+              <p:nvPr>
+                <p:ph sz="half" idx="2"/>
+              </p:nvPr>
+            </p:nvSpPr>
+            <p:spPr>
+              <a:blipFill>
+                <a:blip r:embed="rId2"/>
+                <a:stretch>
+                  <a:fillRect l="-1647" r="-1059"/>
+                </a:stretch>
+              </a:blipFill>
+            </p:spPr>
+            <p:txBody>
+              <a:bodyPr/>
+              <a:lstStyle/>
+              <a:p>
+                <a:r>
+                  <a:rPr lang="zh-CN" altLang="en-US">
+                    <a:noFill/>
+                  </a:rPr>
+                  <a:t> </a:t>
+                </a:r>
+              </a:p>
+            </p:txBody>
+          </p:sp>
+        </mc:Fallback>
+      </mc:AlternateContent>
       <p:sp>
         <p:nvSpPr>
           <p:cNvPr id="5" name="灯片编号占位符 4">
@@ -4518,51 +4782,66 @@
       </p:sp>
       <p:sp>
         <p:nvSpPr>
-          <p:cNvPr id="3" name="内容占位符 2">
-            <a:extLst>
-              <a:ext uri="{FF2B5EF4-FFF2-40B4-BE49-F238E27FC236}">
-                <a16:creationId xmlns:a16="http://schemas.microsoft.com/office/drawing/2014/main" id="{3F679E6F-E4FD-4829-983C-714ABB6BF469}"/>
-              </a:ext>
-            </a:extLst>
-          </p:cNvPr>
-          <p:cNvSpPr>
-            <a:spLocks noGrp="1"/>
-          </p:cNvSpPr>
-          <p:nvPr>
-            <p:ph sz="half" idx="1"/>
+          <p:cNvPr id="6" name="内容占位符 5">
+            <a:extLst>
+              <a:ext uri="{FF2B5EF4-FFF2-40B4-BE49-F238E27FC236}">
+                <a16:creationId xmlns:a16="http://schemas.microsoft.com/office/drawing/2014/main" id="{410A4054-ACE8-4A0B-823F-21B50BDCBFE3}"/>
+              </a:ext>
+            </a:extLst>
+          </p:cNvPr>
+          <p:cNvSpPr>
+            <a:spLocks noGrp="1"/>
+          </p:cNvSpPr>
+          <p:nvPr>
+            <p:ph idx="1"/>
           </p:nvPr>
         </p:nvSpPr>
         <p:spPr/>
         <p:txBody>
-          <a:bodyPr/>
-          <a:lstStyle/>
-          <a:p>
-            <a:endParaRPr lang="zh-CN" altLang="en-US"/>
-          </a:p>
-        </p:txBody>
-      </p:sp>
-      <p:sp>
-        <p:nvSpPr>
-          <p:cNvPr id="4" name="内容占位符 3">
-            <a:extLst>
-              <a:ext uri="{FF2B5EF4-FFF2-40B4-BE49-F238E27FC236}">
-                <a16:creationId xmlns:a16="http://schemas.microsoft.com/office/drawing/2014/main" id="{BFC99A28-8DBD-4582-B2EA-0A79D45B5F38}"/>
-              </a:ext>
-            </a:extLst>
-          </p:cNvPr>
-          <p:cNvSpPr>
-            <a:spLocks noGrp="1"/>
-          </p:cNvSpPr>
-          <p:nvPr>
-            <p:ph sz="half" idx="2"/>
-          </p:nvPr>
-        </p:nvSpPr>
-        <p:spPr/>
-        <p:txBody>
-          <a:bodyPr/>
-          <a:lstStyle/>
-          <a:p>
-            <a:endParaRPr lang="zh-CN" altLang="en-US"/>
+          <a:bodyPr anchor="ctr">
+            <a:normAutofit fontScale="92500" lnSpcReduction="10000"/>
+          </a:bodyPr>
+          <a:lstStyle/>
+          <a:p>
+            <a:pPr marL="0" indent="0">
+              <a:lnSpc>
+                <a:spcPct val="110000"/>
+              </a:lnSpc>
+              <a:buNone/>
+            </a:pPr>
+            <a:r>
+              <a:rPr lang="en-US" altLang="zh-CN" dirty="0"/>
+              <a:t>Since the Fisher's exact test produces lower p-values for longer lists even when the input lists are random, </a:t>
+            </a:r>
+            <a:r>
+              <a:rPr lang="en-US" altLang="zh-CN" dirty="0" err="1"/>
+              <a:t>Enrichr</a:t>
+            </a:r>
+            <a:r>
+              <a:rPr lang="en-US" altLang="zh-CN" dirty="0"/>
+              <a:t> precomputes a background expected rank for each term in each gene set library.</a:t>
+            </a:r>
+          </a:p>
+          <a:p>
+            <a:pPr marL="0" indent="0">
+              <a:lnSpc>
+                <a:spcPct val="110000"/>
+              </a:lnSpc>
+              <a:buNone/>
+            </a:pPr>
+            <a:r>
+              <a:rPr lang="en-US" altLang="zh-CN" dirty="0"/>
+              <a:t>The background is a lookup table of expected ranks and variances for each term in the library. These expected values are precomputed using Fisher's exact test for many random input gene lists for each term in the gene set library. </a:t>
+            </a:r>
+            <a:r>
+              <a:rPr lang="en-US" altLang="zh-CN" dirty="0" err="1"/>
+              <a:t>Enrichr</a:t>
+            </a:r>
+            <a:r>
+              <a:rPr lang="en-US" altLang="zh-CN" dirty="0"/>
+              <a:t> uses this lookup table to calculate the mean rank and standard deviation from this expected rank as the z-score.</a:t>
+            </a:r>
+            <a:endParaRPr lang="zh-CN" altLang="en-US" dirty="0"/>
           </a:p>
         </p:txBody>
       </p:sp>
@@ -4674,51 +4953,57 @@
       </p:sp>
       <p:sp>
         <p:nvSpPr>
-          <p:cNvPr id="3" name="内容占位符 2">
-            <a:extLst>
-              <a:ext uri="{FF2B5EF4-FFF2-40B4-BE49-F238E27FC236}">
-                <a16:creationId xmlns:a16="http://schemas.microsoft.com/office/drawing/2014/main" id="{F7B1B918-9273-488B-94B9-3B5584FDD1AB}"/>
-              </a:ext>
-            </a:extLst>
-          </p:cNvPr>
-          <p:cNvSpPr>
-            <a:spLocks noGrp="1"/>
-          </p:cNvSpPr>
-          <p:nvPr>
-            <p:ph sz="half" idx="1"/>
+          <p:cNvPr id="6" name="内容占位符 5">
+            <a:extLst>
+              <a:ext uri="{FF2B5EF4-FFF2-40B4-BE49-F238E27FC236}">
+                <a16:creationId xmlns:a16="http://schemas.microsoft.com/office/drawing/2014/main" id="{DB216A9F-EE1B-4F22-9AEB-7CE380F25A9C}"/>
+              </a:ext>
+            </a:extLst>
+          </p:cNvPr>
+          <p:cNvSpPr>
+            <a:spLocks noGrp="1"/>
+          </p:cNvSpPr>
+          <p:nvPr>
+            <p:ph idx="1"/>
           </p:nvPr>
         </p:nvSpPr>
         <p:spPr/>
         <p:txBody>
-          <a:bodyPr/>
-          <a:lstStyle/>
-          <a:p>
-            <a:endParaRPr lang="zh-CN" altLang="en-US"/>
-          </a:p>
-        </p:txBody>
-      </p:sp>
-      <p:sp>
-        <p:nvSpPr>
-          <p:cNvPr id="4" name="内容占位符 3">
-            <a:extLst>
-              <a:ext uri="{FF2B5EF4-FFF2-40B4-BE49-F238E27FC236}">
-                <a16:creationId xmlns:a16="http://schemas.microsoft.com/office/drawing/2014/main" id="{F0DB025E-E9BE-4E19-961D-2EF4E3214D7E}"/>
-              </a:ext>
-            </a:extLst>
-          </p:cNvPr>
-          <p:cNvSpPr>
-            <a:spLocks noGrp="1"/>
-          </p:cNvSpPr>
-          <p:nvPr>
-            <p:ph sz="half" idx="2"/>
-          </p:nvPr>
-        </p:nvSpPr>
-        <p:spPr/>
-        <p:txBody>
-          <a:bodyPr/>
-          <a:lstStyle/>
-          <a:p>
-            <a:endParaRPr lang="zh-CN" altLang="en-US"/>
+          <a:bodyPr anchor="ctr"/>
+          <a:lstStyle/>
+          <a:p>
+            <a:pPr marL="0" indent="0">
+              <a:buNone/>
+            </a:pPr>
+            <a:r>
+              <a:rPr lang="en-US" altLang="zh-CN" dirty="0" err="1"/>
+              <a:t>Enrichr</a:t>
+            </a:r>
+            <a:r>
+              <a:rPr lang="en-US" altLang="zh-CN" dirty="0"/>
+              <a:t> uses the </a:t>
+            </a:r>
+            <a:r>
+              <a:rPr lang="en-US" altLang="zh-CN" b="1" dirty="0" err="1">
+                <a:solidFill>
+                  <a:schemeClr val="accent1"/>
+                </a:solidFill>
+              </a:rPr>
+              <a:t>Benjamini</a:t>
+            </a:r>
+            <a:r>
+              <a:rPr lang="en-US" altLang="zh-CN" b="1" dirty="0">
+                <a:solidFill>
+                  <a:schemeClr val="accent1"/>
+                </a:solidFill>
+              </a:rPr>
+              <a:t>-Hochberg (BH) </a:t>
+            </a:r>
+            <a:r>
+              <a:rPr lang="en-US" altLang="zh-CN" dirty="0"/>
+              <a:t>procedure to account for this issue. We display the correct BH q-values in the tables and charts. The bar chart appears gray if it does not meet the cutoff of 0.05 before correction.</a:t>
+            </a:r>
+            <a:endParaRPr lang="zh-CN" altLang="en-US" dirty="0"/>
           </a:p>
         </p:txBody>
       </p:sp>
@@ -4805,62 +5090,46 @@
             <a:pPr algn="ctr"/>
             <a:r>
               <a:rPr lang="en-US" altLang="zh-CN" dirty="0"/>
-              <a:t>Application Example</a:t>
-            </a:r>
-            <a:endParaRPr lang="zh-CN" altLang="en-US" dirty="0"/>
-          </a:p>
-        </p:txBody>
-      </p:sp>
-      <p:sp>
-        <p:nvSpPr>
-          <p:cNvPr id="3" name="内容占位符 2">
-            <a:extLst>
-              <a:ext uri="{FF2B5EF4-FFF2-40B4-BE49-F238E27FC236}">
-                <a16:creationId xmlns:a16="http://schemas.microsoft.com/office/drawing/2014/main" id="{9C7523D7-8B99-4EAA-8351-182680641FF6}"/>
-              </a:ext>
-            </a:extLst>
-          </p:cNvPr>
-          <p:cNvSpPr>
-            <a:spLocks noGrp="1"/>
-          </p:cNvSpPr>
-          <p:nvPr>
-            <p:ph sz="half" idx="1"/>
-          </p:nvPr>
-        </p:nvSpPr>
-        <p:spPr/>
-        <p:txBody>
-          <a:bodyPr/>
-          <a:lstStyle/>
-          <a:p>
-            <a:endParaRPr lang="zh-CN" altLang="en-US"/>
-          </a:p>
-        </p:txBody>
-      </p:sp>
-      <p:sp>
-        <p:nvSpPr>
-          <p:cNvPr id="4" name="内容占位符 3">
-            <a:extLst>
-              <a:ext uri="{FF2B5EF4-FFF2-40B4-BE49-F238E27FC236}">
-                <a16:creationId xmlns:a16="http://schemas.microsoft.com/office/drawing/2014/main" id="{04FDB2F9-8FFB-435E-B4F7-F5EC4DA3E221}"/>
-              </a:ext>
-            </a:extLst>
-          </p:cNvPr>
-          <p:cNvSpPr>
-            <a:spLocks noGrp="1"/>
-          </p:cNvSpPr>
-          <p:nvPr>
-            <p:ph sz="half" idx="2"/>
-          </p:nvPr>
-        </p:nvSpPr>
-        <p:spPr/>
-        <p:txBody>
-          <a:bodyPr/>
-          <a:lstStyle/>
-          <a:p>
-            <a:endParaRPr lang="zh-CN" altLang="en-US"/>
-          </a:p>
-        </p:txBody>
-      </p:sp>
+              <a:t>Enrichment Bar Plot</a:t>
+            </a:r>
+          </a:p>
+        </p:txBody>
+      </p:sp>
+      <p:pic>
+        <p:nvPicPr>
+          <p:cNvPr id="10" name="内容占位符 9">
+            <a:extLst>
+              <a:ext uri="{FF2B5EF4-FFF2-40B4-BE49-F238E27FC236}">
+                <a16:creationId xmlns:a16="http://schemas.microsoft.com/office/drawing/2014/main" id="{69DAD9C8-3472-4DC0-9603-4335FFBC360C}"/>
+              </a:ext>
+            </a:extLst>
+          </p:cNvPr>
+          <p:cNvPicPr>
+            <a:picLocks noGrp="1" noChangeAspect="1"/>
+          </p:cNvPicPr>
+          <p:nvPr>
+            <p:ph idx="1"/>
+          </p:nvPr>
+        </p:nvPicPr>
+        <p:blipFill>
+          <a:blip r:embed="rId2">
+            <a:extLst>
+              <a:ext uri="{28A0092B-C50C-407E-A947-70E740481C1C}">
+                <a14:useLocalDpi xmlns:a14="http://schemas.microsoft.com/office/drawing/2010/main" val="0"/>
+              </a:ext>
+            </a:extLst>
+          </a:blip>
+          <a:stretch>
+            <a:fillRect/>
+          </a:stretch>
+        </p:blipFill>
+        <p:spPr>
+          <a:xfrm>
+            <a:off x="464711" y="2169863"/>
+            <a:ext cx="11262578" cy="3701548"/>
+          </a:xfrm>
+        </p:spPr>
+      </p:pic>
       <p:sp>
         <p:nvSpPr>
           <p:cNvPr id="5" name="灯片编号占位符 4">
@@ -5141,7 +5410,7 @@
             </a:pPr>
             <a:r>
               <a:rPr lang="en-US" altLang="zh-CN" sz="3600" dirty="0"/>
-              <a:t>Application Example</a:t>
+              <a:t>Enrichment Bar Plot</a:t>
             </a:r>
             <a:endParaRPr lang="zh-CN" altLang="en-US" sz="3600" dirty="0"/>
           </a:p>
